--- a/Slides/workshop-image-data-augmentation-slides.pptx
+++ b/Slides/workshop-image-data-augmentation-slides.pptx
@@ -198,7 +198,7 @@
             <a:fld id="{2093731F-789F-45CC-BEDF-7026F0EF2632}" type="datetimeFigureOut">
               <a:rPr lang="en-US" smtClean="0"/>
               <a:pPr/>
-              <a:t>9/23/2021</a:t>
+              <a:t>9/24/2021</a:t>
             </a:fld>
             <a:endParaRPr lang="en-US"/>
           </a:p>
@@ -464,6 +464,88 @@
 </p:notesMaster>
 </file>
 
+<file path=ppt/notesSlides/notesSlide1.xml><?xml version="1.0" encoding="utf-8"?>
+<p:notes xmlns:a="http://schemas.openxmlformats.org/drawingml/2006/main" xmlns:r="http://schemas.openxmlformats.org/officeDocument/2006/relationships" xmlns:p="http://schemas.openxmlformats.org/presentationml/2006/main">
+  <p:cSld>
+    <p:spTree>
+      <p:nvGrpSpPr>
+        <p:cNvPr id="1" name=""/>
+        <p:cNvGrpSpPr/>
+        <p:nvPr/>
+      </p:nvGrpSpPr>
+      <p:grpSpPr>
+        <a:xfrm>
+          <a:off x="0" y="0"/>
+          <a:ext cx="0" cy="0"/>
+          <a:chOff x="0" y="0"/>
+          <a:chExt cx="0" cy="0"/>
+        </a:xfrm>
+      </p:grpSpPr>
+      <p:sp>
+        <p:nvSpPr>
+          <p:cNvPr id="2" name="Slide Image Placeholder 1"/>
+          <p:cNvSpPr>
+            <a:spLocks noGrp="1" noRot="1" noChangeAspect="1"/>
+          </p:cNvSpPr>
+          <p:nvPr>
+            <p:ph type="sldImg"/>
+          </p:nvPr>
+        </p:nvSpPr>
+        <p:spPr/>
+      </p:sp>
+      <p:sp>
+        <p:nvSpPr>
+          <p:cNvPr id="3" name="Notes Placeholder 2"/>
+          <p:cNvSpPr>
+            <a:spLocks noGrp="1"/>
+          </p:cNvSpPr>
+          <p:nvPr>
+            <p:ph type="body" idx="1"/>
+          </p:nvPr>
+        </p:nvSpPr>
+        <p:spPr/>
+        <p:txBody>
+          <a:bodyPr>
+            <a:normAutofit/>
+          </a:bodyPr>
+          <a:lstStyle/>
+          <a:p>
+            <a:endParaRPr lang="en-US" dirty="0"/>
+          </a:p>
+        </p:txBody>
+      </p:sp>
+      <p:sp>
+        <p:nvSpPr>
+          <p:cNvPr id="4" name="Slide Number Placeholder 3"/>
+          <p:cNvSpPr>
+            <a:spLocks noGrp="1"/>
+          </p:cNvSpPr>
+          <p:nvPr>
+            <p:ph type="sldNum" sz="quarter" idx="10"/>
+          </p:nvPr>
+        </p:nvSpPr>
+        <p:spPr/>
+        <p:txBody>
+          <a:bodyPr/>
+          <a:lstStyle/>
+          <a:p>
+            <a:fld id="{12FA96DB-654D-4A5B-ABF6-26CBEBA8AF4F}" type="slidenum">
+              <a:rPr lang="en-US" smtClean="0"/>
+              <a:pPr/>
+              <a:t>1</a:t>
+            </a:fld>
+            <a:endParaRPr lang="en-US"/>
+          </a:p>
+        </p:txBody>
+      </p:sp>
+    </p:spTree>
+  </p:cSld>
+  <p:clrMapOvr>
+    <a:masterClrMapping/>
+  </p:clrMapOvr>
+</p:notes>
+</file>
+
 <file path=ppt/slideLayouts/slideLayout1.xml><?xml version="1.0" encoding="utf-8"?>
 <p:sldLayout xmlns:a="http://schemas.openxmlformats.org/drawingml/2006/main" xmlns:r="http://schemas.openxmlformats.org/officeDocument/2006/relationships" xmlns:p="http://schemas.openxmlformats.org/presentationml/2006/main" type="title" preserve="1">
   <p:cSld name="Title Slide">
@@ -645,7 +727,8 @@
           <a:p>
             <a:fld id="{302C6D74-5144-42E3-8A5C-9417B3F2ADFA}" type="datetime1">
               <a:rPr lang="en-US" smtClean="0"/>
-              <a:t>9/23/2021</a:t>
+              <a:pPr/>
+              <a:t>9/24/2021</a:t>
             </a:fld>
             <a:endParaRPr lang="en-US"/>
           </a:p>
@@ -825,7 +908,8 @@
           <a:p>
             <a:fld id="{5559EAFB-69E6-4FA9-8638-9EBE149410D7}" type="datetime1">
               <a:rPr lang="en-US" smtClean="0"/>
-              <a:t>9/23/2021</a:t>
+              <a:pPr/>
+              <a:t>9/24/2021</a:t>
             </a:fld>
             <a:endParaRPr lang="en-US"/>
           </a:p>
@@ -1081,7 +1165,8 @@
           <a:p>
             <a:fld id="{88338C6D-4D53-4DC7-8194-F6CA6B0FD782}" type="datetime1">
               <a:rPr lang="en-US" smtClean="0"/>
-              <a:t>9/23/2021</a:t>
+              <a:pPr/>
+              <a:t>9/24/2021</a:t>
             </a:fld>
             <a:endParaRPr lang="en-US"/>
           </a:p>
@@ -1379,7 +1464,8 @@
           <a:p>
             <a:fld id="{D6181B0B-0C6A-4E3F-B985-B15747E60EC8}" type="datetime1">
               <a:rPr lang="en-US" smtClean="0"/>
-              <a:t>9/23/2021</a:t>
+              <a:pPr/>
+              <a:t>9/24/2021</a:t>
             </a:fld>
             <a:endParaRPr lang="en-US"/>
           </a:p>
@@ -1507,7 +1593,8 @@
           <a:p>
             <a:fld id="{6EE88B00-C307-40FF-BF8A-3A693C5511EA}" type="datetime1">
               <a:rPr lang="en-US" smtClean="0"/>
-              <a:t>9/23/2021</a:t>
+              <a:pPr/>
+              <a:t>9/24/2021</a:t>
             </a:fld>
             <a:endParaRPr lang="en-US"/>
           </a:p>
@@ -1612,7 +1699,8 @@
           <a:p>
             <a:fld id="{9CCF72C5-6E09-4B1F-BB59-C0E00B8F63C9}" type="datetime1">
               <a:rPr lang="en-US" smtClean="0"/>
-              <a:t>9/23/2021</a:t>
+              <a:pPr/>
+              <a:t>9/24/2021</a:t>
             </a:fld>
             <a:endParaRPr lang="en-US"/>
           </a:p>
@@ -1835,7 +1923,8 @@
           <a:p>
             <a:fld id="{18E594C3-63ED-4F53-9759-9153A23A4E36}" type="datetime1">
               <a:rPr lang="en-US" smtClean="0"/>
-              <a:t>9/23/2021</a:t>
+              <a:pPr/>
+              <a:t>9/24/2021</a:t>
             </a:fld>
             <a:endParaRPr lang="en-US"/>
           </a:p>
@@ -2225,7 +2314,7 @@
           <p:nvPr/>
         </p:nvPicPr>
         <p:blipFill>
-          <a:blip r:embed="rId2" cstate="print"/>
+          <a:blip r:embed="rId3" cstate="print"/>
           <a:srcRect/>
           <a:stretch>
             <a:fillRect/>
@@ -2609,32 +2698,6 @@
           <p:nvPr/>
         </p:nvPicPr>
         <p:blipFill>
-          <a:blip r:embed="rId3" cstate="print"/>
-          <a:srcRect/>
-          <a:stretch>
-            <a:fillRect/>
-          </a:stretch>
-        </p:blipFill>
-        <p:spPr bwMode="auto">
-          <a:xfrm>
-            <a:off x="193868" y="3666283"/>
-            <a:ext cx="339388" cy="339388"/>
-          </a:xfrm>
-          <a:prstGeom prst="rect">
-            <a:avLst/>
-          </a:prstGeom>
-          <a:noFill/>
-        </p:spPr>
-      </p:pic>
-      <p:pic>
-        <p:nvPicPr>
-          <p:cNvPr id="5123" name="Picture 3" descr="https://lh5.googleusercontent.com/7Brrhxc5Hf1WDIMtR6V0YtFdCpWR80FuCXXKSIEJ3WpZQ-sFba2znCh_eOAAJfaBzf1eUs27wPaLspBlxtRRJvAnSl9VioVfsz2KyVHiI9FtAhfLALeeCmFNr284jol4VwNhCf8jCjA=s0"/>
-          <p:cNvPicPr>
-            <a:picLocks noChangeAspect="1" noChangeArrowheads="1"/>
-          </p:cNvPicPr>
-          <p:nvPr/>
-        </p:nvPicPr>
-        <p:blipFill>
           <a:blip r:embed="rId4" cstate="print"/>
           <a:srcRect/>
           <a:stretch>
@@ -2643,8 +2706,8 @@
         </p:blipFill>
         <p:spPr bwMode="auto">
           <a:xfrm>
-            <a:off x="193868" y="4069532"/>
-            <a:ext cx="345642" cy="345642"/>
+            <a:off x="193868" y="3666283"/>
+            <a:ext cx="339388" cy="339388"/>
           </a:xfrm>
           <a:prstGeom prst="rect">
             <a:avLst/>
@@ -2654,7 +2717,7 @@
       </p:pic>
       <p:pic>
         <p:nvPicPr>
-          <p:cNvPr id="5124" name="Picture 4" descr="https://lh4.googleusercontent.com/VbbyzE-TECPYmAC3FedSJZHol3yXzr3IVGA6iLiuKn0Tq2Mmxv4mz5KRjxTQ0T6zWi21lLdajGJxKrrpWjBkPxDiWvRYk7cBL-sz7MxJ33zeN2ZgpJbmQQwgKef0MjSq04znwwroURk=s0"/>
+          <p:cNvPr id="5123" name="Picture 3" descr="https://lh5.googleusercontent.com/7Brrhxc5Hf1WDIMtR6V0YtFdCpWR80FuCXXKSIEJ3WpZQ-sFba2znCh_eOAAJfaBzf1eUs27wPaLspBlxtRRJvAnSl9VioVfsz2KyVHiI9FtAhfLALeeCmFNr284jol4VwNhCf8jCjA=s0"/>
           <p:cNvPicPr>
             <a:picLocks noChangeAspect="1" noChangeArrowheads="1"/>
           </p:cNvPicPr>
@@ -2669,6 +2732,32 @@
         </p:blipFill>
         <p:spPr bwMode="auto">
           <a:xfrm>
+            <a:off x="193868" y="4069532"/>
+            <a:ext cx="345642" cy="345642"/>
+          </a:xfrm>
+          <a:prstGeom prst="rect">
+            <a:avLst/>
+          </a:prstGeom>
+          <a:noFill/>
+        </p:spPr>
+      </p:pic>
+      <p:pic>
+        <p:nvPicPr>
+          <p:cNvPr id="5124" name="Picture 4" descr="https://lh4.googleusercontent.com/VbbyzE-TECPYmAC3FedSJZHol3yXzr3IVGA6iLiuKn0Tq2Mmxv4mz5KRjxTQ0T6zWi21lLdajGJxKrrpWjBkPxDiWvRYk7cBL-sz7MxJ33zeN2ZgpJbmQQwgKef0MjSq04znwwroURk=s0"/>
+          <p:cNvPicPr>
+            <a:picLocks noChangeAspect="1" noChangeArrowheads="1"/>
+          </p:cNvPicPr>
+          <p:nvPr/>
+        </p:nvPicPr>
+        <p:blipFill>
+          <a:blip r:embed="rId6" cstate="print"/>
+          <a:srcRect/>
+          <a:stretch>
+            <a:fillRect/>
+          </a:stretch>
+        </p:blipFill>
+        <p:spPr bwMode="auto">
+          <a:xfrm>
             <a:off x="193868" y="4530388"/>
             <a:ext cx="345642" cy="345642"/>
           </a:xfrm>
@@ -2688,7 +2777,7 @@
         </p:nvSpPr>
         <p:spPr bwMode="auto">
           <a:xfrm>
-            <a:off x="0" y="2802178"/>
+            <a:off x="0" y="2686964"/>
             <a:ext cx="9144000" cy="369332"/>
           </a:xfrm>
           <a:prstGeom prst="rect">
@@ -2712,18 +2801,10 @@
           </a:bodyPr>
           <a:lstStyle/>
           <a:p>
-            <a:pPr marL="0" marR="0" lvl="0" indent="0" algn="ctr" defTabSz="914400" rtl="0" eaLnBrk="1" fontAlgn="base" latinLnBrk="0" hangingPunct="1">
-              <a:lnSpc>
-                <a:spcPct val="100000"/>
-              </a:lnSpc>
+            <a:pPr lvl="0" algn="ctr" fontAlgn="base">
               <a:spcAft>
                 <a:spcPct val="0"/>
               </a:spcAft>
-              <a:buClrTx/>
-              <a:buSzTx/>
-              <a:buFontTx/>
-              <a:buNone/>
-              <a:tabLst/>
             </a:pPr>
             <a:r>
               <a:rPr lang="en-US" dirty="0" smtClean="0">
@@ -2743,29 +2824,7 @@
                 </a:solidFill>
                 <a:cs typeface="Arial" pitchFamily="34" charset="0"/>
               </a:rPr>
-              <a:t>github.com/</a:t>
-            </a:r>
-            <a:r>
-              <a:rPr lang="en-US" u="sng" dirty="0" err="1" smtClean="0">
-                <a:solidFill>
-                  <a:schemeClr val="accent1">
-                    <a:lumMod val="75000"/>
-                  </a:schemeClr>
-                </a:solidFill>
-                <a:cs typeface="Arial" pitchFamily="34" charset="0"/>
-              </a:rPr>
-              <a:t>ShawnHymel</a:t>
-            </a:r>
-            <a:r>
-              <a:rPr lang="en-US" u="sng" dirty="0" smtClean="0">
-                <a:solidFill>
-                  <a:schemeClr val="accent1">
-                    <a:lumMod val="75000"/>
-                  </a:schemeClr>
-                </a:solidFill>
-                <a:cs typeface="Arial" pitchFamily="34" charset="0"/>
-              </a:rPr>
-              <a:t>/</a:t>
+              <a:t>bit.ly/</a:t>
             </a:r>
             <a:r>
               <a:rPr lang="en-US" u="sng" dirty="0" err="1" smtClean="0">
@@ -2787,7 +2846,7 @@
                 </a:solidFill>
                 <a:cs typeface="Arial" pitchFamily="34" charset="0"/>
               </a:rPr>
-              <a:t>-workshop-image-data-augmentation</a:t>
+              <a:t>-workshop-data-augmentation</a:t>
             </a:r>
             <a:endParaRPr lang="en-US" u="sng" dirty="0" smtClean="0">
               <a:solidFill>
@@ -2797,6 +2856,76 @@
               </a:solidFill>
               <a:cs typeface="Arial" pitchFamily="34" charset="0"/>
             </a:endParaRPr>
+          </a:p>
+        </p:txBody>
+      </p:sp>
+      <p:sp>
+        <p:nvSpPr>
+          <p:cNvPr id="10" name="Rounded Rectangle 9"/>
+          <p:cNvSpPr/>
+          <p:nvPr/>
+        </p:nvSpPr>
+        <p:spPr>
+          <a:xfrm>
+            <a:off x="5378498" y="3378248"/>
+            <a:ext cx="3514026" cy="1612996"/>
+          </a:xfrm>
+          <a:prstGeom prst="roundRect">
+            <a:avLst/>
+          </a:prstGeom>
+        </p:spPr>
+        <p:style>
+          <a:lnRef idx="2">
+            <a:schemeClr val="accent1">
+              <a:shade val="50000"/>
+            </a:schemeClr>
+          </a:lnRef>
+          <a:fillRef idx="1">
+            <a:schemeClr val="accent1"/>
+          </a:fillRef>
+          <a:effectRef idx="0">
+            <a:schemeClr val="accent1"/>
+          </a:effectRef>
+          <a:fontRef idx="minor">
+            <a:schemeClr val="lt1"/>
+          </a:fontRef>
+        </p:style>
+        <p:txBody>
+          <a:bodyPr rtlCol="0" anchor="ctr"/>
+          <a:lstStyle/>
+          <a:p>
+            <a:pPr algn="ctr"/>
+            <a:r>
+              <a:rPr lang="en-US" b="1" dirty="0" smtClean="0"/>
+              <a:t>The More You Know!</a:t>
+            </a:r>
+          </a:p>
+          <a:p>
+            <a:pPr algn="ctr"/>
+            <a:endParaRPr lang="en-US" dirty="0" smtClean="0"/>
+          </a:p>
+          <a:p>
+            <a:pPr algn="ctr"/>
+            <a:r>
+              <a:rPr lang="en-US" dirty="0" smtClean="0"/>
+              <a:t>Full Course: Computer Vision with Embedded Machine Learning</a:t>
+            </a:r>
+          </a:p>
+          <a:p>
+            <a:pPr algn="ctr"/>
+            <a:r>
+              <a:rPr lang="en-US" u="sng" dirty="0" smtClean="0"/>
+              <a:t>bit.ly/</a:t>
+            </a:r>
+            <a:r>
+              <a:rPr lang="en-US" u="sng" dirty="0" err="1" smtClean="0"/>
+              <a:t>cv</a:t>
+            </a:r>
+            <a:r>
+              <a:rPr lang="en-US" u="sng" dirty="0" smtClean="0"/>
+              <a:t>-with-embedded-ml</a:t>
+            </a:r>
+            <a:endParaRPr lang="en-US" u="sng" dirty="0"/>
           </a:p>
         </p:txBody>
       </p:sp>
